--- a/Presentation_03.pptx
+++ b/Presentation_03.pptx
@@ -6916,13 +6916,13 @@
   <p:clrMapOvr>
     <a:masterClrMapping/>
   </p:clrMapOvr>
-  <mc:AlternateContent xmlns:mc="http://schemas.openxmlformats.org/markup-compatibility/2006">
-    <mc:Choice xmlns:p159="http://schemas.microsoft.com/office/powerpoint/2015/09/main" Requires="p159">
+  <mc:AlternateContent xmlns:mc="http://schemas.openxmlformats.org/markup-compatibility/2006" xmlns:p159="http://schemas.microsoft.com/office/powerpoint/2015/09/main">
+    <mc:Choice Requires="p159">
       <p:transition xmlns:p14="http://schemas.microsoft.com/office/powerpoint/2010/main" spd="slow" p14:dur="2000">
         <p159:morph option="byObject"/>
       </p:transition>
     </mc:Choice>
-    <mc:Fallback>
+    <mc:Fallback xmlns="">
       <p:transition spd="slow">
         <p:fade/>
       </p:transition>
@@ -7386,13 +7386,13 @@
   <p:clrMapOvr>
     <a:masterClrMapping/>
   </p:clrMapOvr>
-  <mc:AlternateContent xmlns:mc="http://schemas.openxmlformats.org/markup-compatibility/2006">
-    <mc:Choice xmlns:p159="http://schemas.microsoft.com/office/powerpoint/2015/09/main" Requires="p159">
+  <mc:AlternateContent xmlns:mc="http://schemas.openxmlformats.org/markup-compatibility/2006" xmlns:p159="http://schemas.microsoft.com/office/powerpoint/2015/09/main">
+    <mc:Choice Requires="p159">
       <p:transition xmlns:p14="http://schemas.microsoft.com/office/powerpoint/2010/main" spd="slow" p14:dur="2000">
         <p159:morph option="byObject"/>
       </p:transition>
     </mc:Choice>
-    <mc:Fallback>
+    <mc:Fallback xmlns="">
       <p:transition spd="slow">
         <p:fade/>
       </p:transition>
@@ -7825,13 +7825,13 @@
   <p:clrMapOvr>
     <a:masterClrMapping/>
   </p:clrMapOvr>
-  <mc:AlternateContent xmlns:mc="http://schemas.openxmlformats.org/markup-compatibility/2006">
-    <mc:Choice xmlns:p159="http://schemas.microsoft.com/office/powerpoint/2015/09/main" Requires="p159">
+  <mc:AlternateContent xmlns:mc="http://schemas.openxmlformats.org/markup-compatibility/2006" xmlns:p159="http://schemas.microsoft.com/office/powerpoint/2015/09/main">
+    <mc:Choice Requires="p159">
       <p:transition xmlns:p14="http://schemas.microsoft.com/office/powerpoint/2010/main" spd="slow" p14:dur="2000">
         <p159:morph option="byObject"/>
       </p:transition>
     </mc:Choice>
-    <mc:Fallback>
+    <mc:Fallback xmlns="">
       <p:transition spd="slow">
         <p:fade/>
       </p:transition>
@@ -8062,7 +8062,7 @@
         </p:nvSpPr>
         <p:spPr>
           <a:xfrm>
-            <a:off x="2971469" y="1545343"/>
+            <a:off x="1177191" y="1663331"/>
             <a:ext cx="7189155" cy="2241960"/>
           </a:xfrm>
           <a:prstGeom prst="rect">
@@ -8155,7 +8155,7 @@
         </p:nvSpPr>
         <p:spPr>
           <a:xfrm>
-            <a:off x="2402128" y="4666326"/>
+            <a:off x="492211" y="5108777"/>
             <a:ext cx="8327838" cy="646331"/>
           </a:xfrm>
           <a:prstGeom prst="rect">
@@ -8177,7 +8177,7 @@
               <a:rPr lang="en-US" dirty="0">
                 <a:hlinkClick r:id="rId3"/>
               </a:rPr>
-              <a:t>https://46303e9cffa8d64773.gradio.live</a:t>
+              <a:t>https://459a8683ab6e341d1d.gradio.live/</a:t>
             </a:r>
             <a:endParaRPr lang="en-US" dirty="0"/>
           </a:p>
@@ -8186,6 +8186,36 @@
           </a:p>
         </p:txBody>
       </p:sp>
+      <p:pic>
+        <p:nvPicPr>
+          <p:cNvPr id="4" name="Picture 3" descr="A screenshot of a computer&#10;&#10;AI-generated content may be incorrect.">
+            <a:extLst>
+              <a:ext uri="{FF2B5EF4-FFF2-40B4-BE49-F238E27FC236}">
+                <a16:creationId xmlns:a16="http://schemas.microsoft.com/office/drawing/2014/main" id="{2BAB017D-95E7-3391-767D-6392BE909C2D}"/>
+              </a:ext>
+            </a:extLst>
+          </p:cNvPr>
+          <p:cNvPicPr>
+            <a:picLocks noChangeAspect="1"/>
+          </p:cNvPicPr>
+          <p:nvPr/>
+        </p:nvPicPr>
+        <p:blipFill>
+          <a:blip r:embed="rId4"/>
+          <a:stretch>
+            <a:fillRect/>
+          </a:stretch>
+        </p:blipFill>
+        <p:spPr>
+          <a:xfrm>
+            <a:off x="7215150" y="1545343"/>
+            <a:ext cx="4672051" cy="4308520"/>
+          </a:xfrm>
+          <a:prstGeom prst="rect">
+            <a:avLst/>
+          </a:prstGeom>
+        </p:spPr>
+      </p:pic>
     </p:spTree>
     <p:extLst>
       <p:ext uri="{BB962C8B-B14F-4D97-AF65-F5344CB8AC3E}">
@@ -8196,13 +8226,13 @@
   <p:clrMapOvr>
     <a:masterClrMapping/>
   </p:clrMapOvr>
-  <mc:AlternateContent xmlns:mc="http://schemas.openxmlformats.org/markup-compatibility/2006">
-    <mc:Choice xmlns:p159="http://schemas.microsoft.com/office/powerpoint/2015/09/main" Requires="p159">
+  <mc:AlternateContent xmlns:mc="http://schemas.openxmlformats.org/markup-compatibility/2006" xmlns:p159="http://schemas.microsoft.com/office/powerpoint/2015/09/main">
+    <mc:Choice Requires="p159">
       <p:transition xmlns:p14="http://schemas.microsoft.com/office/powerpoint/2010/main" spd="slow" p14:dur="2000">
         <p159:morph option="byObject"/>
       </p:transition>
     </mc:Choice>
-    <mc:Fallback>
+    <mc:Fallback xmlns="">
       <p:transition spd="slow">
         <p:fade/>
       </p:transition>
@@ -8348,6 +8378,59 @@
                                           </p:stCondLst>
                                         </p:cTn>
                                         <p:tgtEl>
+                                          <p:spTgt spid="4"/>
+                                        </p:tgtEl>
+                                        <p:attrNameLst>
+                                          <p:attrName>style.visibility</p:attrName>
+                                        </p:attrNameLst>
+                                      </p:cBhvr>
+                                      <p:to>
+                                        <p:strVal val="visible"/>
+                                      </p:to>
+                                    </p:set>
+                                    <p:animEffect transition="in" filter="checkerboard(across)">
+                                      <p:cBhvr>
+                                        <p:cTn id="17" dur="500"/>
+                                        <p:tgtEl>
+                                          <p:spTgt spid="4"/>
+                                        </p:tgtEl>
+                                      </p:cBhvr>
+                                    </p:animEffect>
+                                  </p:childTnLst>
+                                </p:cTn>
+                              </p:par>
+                            </p:childTnLst>
+                          </p:cTn>
+                        </p:par>
+                      </p:childTnLst>
+                    </p:cTn>
+                  </p:par>
+                  <p:par>
+                    <p:cTn id="18" fill="hold">
+                      <p:stCondLst>
+                        <p:cond delay="indefinite"/>
+                      </p:stCondLst>
+                      <p:childTnLst>
+                        <p:par>
+                          <p:cTn id="19" fill="hold">
+                            <p:stCondLst>
+                              <p:cond delay="0"/>
+                            </p:stCondLst>
+                            <p:childTnLst>
+                              <p:par>
+                                <p:cTn id="20" presetID="5" presetClass="entr" presetSubtype="10" fill="hold" nodeType="clickEffect">
+                                  <p:stCondLst>
+                                    <p:cond delay="0"/>
+                                  </p:stCondLst>
+                                  <p:childTnLst>
+                                    <p:set>
+                                      <p:cBhvr>
+                                        <p:cTn id="21" dur="1" fill="hold">
+                                          <p:stCondLst>
+                                            <p:cond delay="0"/>
+                                          </p:stCondLst>
+                                        </p:cTn>
+                                        <p:tgtEl>
                                           <p:spTgt spid="3">
                                             <p:txEl>
                                               <p:pRg st="0" end="0"/>
@@ -8364,7 +8447,7 @@
                                     </p:set>
                                     <p:animEffect transition="in" filter="checkerboard(across)">
                                       <p:cBhvr>
-                                        <p:cTn id="17" dur="500"/>
+                                        <p:cTn id="22" dur="500"/>
                                         <p:tgtEl>
                                           <p:spTgt spid="3">
                                             <p:txEl>
@@ -8560,13 +8643,13 @@
   <p:clrMapOvr>
     <a:masterClrMapping/>
   </p:clrMapOvr>
-  <mc:AlternateContent xmlns:mc="http://schemas.openxmlformats.org/markup-compatibility/2006">
-    <mc:Choice xmlns:p159="http://schemas.microsoft.com/office/powerpoint/2015/09/main" Requires="p159">
+  <mc:AlternateContent xmlns:mc="http://schemas.openxmlformats.org/markup-compatibility/2006" xmlns:p159="http://schemas.microsoft.com/office/powerpoint/2015/09/main">
+    <mc:Choice Requires="p159">
       <p:transition xmlns:p14="http://schemas.microsoft.com/office/powerpoint/2010/main" spd="slow" p14:dur="2000">
         <p159:morph option="byObject"/>
       </p:transition>
     </mc:Choice>
-    <mc:Fallback>
+    <mc:Fallback xmlns="">
       <p:transition spd="slow">
         <p:fade/>
       </p:transition>

--- a/Presentation_03.pptx
+++ b/Presentation_03.pptx
@@ -6583,8 +6583,8 @@
         </p:nvSpPr>
         <p:spPr>
           <a:xfrm>
-            <a:off x="1440100" y="1105287"/>
-            <a:ext cx="9311800" cy="4647426"/>
+            <a:off x="1440100" y="1012954"/>
+            <a:ext cx="9311800" cy="4832092"/>
           </a:xfrm>
           <a:prstGeom prst="rect">
             <a:avLst/>
@@ -6608,12 +6608,19 @@
           </a:p>
           <a:p>
             <a:pPr algn="ctr"/>
+            <a:endParaRPr lang="en-US" sz="4000" dirty="0">
+              <a:latin typeface="Times New Roman" panose="02020603050405020304" pitchFamily="18" charset="0"/>
+              <a:cs typeface="Times New Roman" panose="02020603050405020304" pitchFamily="18" charset="0"/>
+            </a:endParaRPr>
+          </a:p>
+          <a:p>
+            <a:pPr algn="ctr"/>
             <a:r>
               <a:rPr lang="en-US" sz="4000" dirty="0">
                 <a:latin typeface="Times New Roman" panose="02020603050405020304" pitchFamily="18" charset="0"/>
                 <a:cs typeface="Times New Roman" panose="02020603050405020304" pitchFamily="18" charset="0"/>
               </a:rPr>
-              <a:t>Document QA</a:t>
+              <a:t>Document Question Answering</a:t>
             </a:r>
           </a:p>
           <a:p>
@@ -6642,17 +6649,6 @@
               <a:latin typeface="Times New Roman" panose="02020603050405020304" pitchFamily="18" charset="0"/>
               <a:cs typeface="Times New Roman" panose="02020603050405020304" pitchFamily="18" charset="0"/>
             </a:endParaRPr>
-          </a:p>
-          <a:p>
-            <a:pPr algn="ctr"/>
-            <a:r>
-              <a:rPr lang="en-US" sz="2800" b="0" i="0" u="none" strike="noStrike" dirty="0">
-                <a:effectLst/>
-                <a:latin typeface="Times New Roman" panose="02020603050405020304" pitchFamily="18" charset="0"/>
-                <a:cs typeface="Times New Roman" panose="02020603050405020304" pitchFamily="18" charset="0"/>
-              </a:rPr>
-              <a:t>AI-Powered Document Processing</a:t>
-            </a:r>
           </a:p>
           <a:p>
             <a:pPr algn="ctr"/>
